--- a/pps.pptx
+++ b/pps.pptx
@@ -2962,7 +2962,7 @@
           <a:p>
             <a:r>
               <a:rPr lang="en-IN" altLang="en-US" dirty="0"/>
-              <a:t>Hello !!!</a:t>
+              <a:t>Hello !!!!!!!</a:t>
             </a:r>
             <a:endParaRPr lang="en-IN" altLang="en-US" dirty="0"/>
           </a:p>
